--- a/mipt-mips/2018/Lecture 5 - Unit Tests.pptx
+++ b/mipt-mips/2018/Lecture 5 - Unit Tests.pptx
@@ -216,7 +216,7 @@
           <a:p>
             <a:fld id="{BF8A01DF-72FC-44AC-AB17-13BCF95A9755}" type="datetimeFigureOut">
               <a:rPr lang="ru-RU" smtClean="0"/>
-              <a:t>21.11.2018</a:t>
+              <a:t>22.11.2018</a:t>
             </a:fld>
             <a:endParaRPr lang="ru-RU"/>
           </a:p>
@@ -7801,7 +7801,19 @@
           <a:p>
             <a:r>
               <a:rPr lang="en-US" dirty="0" smtClean="0"/>
-              <a:t>Interfaces: three types</a:t>
+              <a:t>Interfaces</a:t>
+            </a:r>
+            <a:r>
+              <a:rPr lang="en-US" smtClean="0"/>
+              <a:t>: </a:t>
+            </a:r>
+            <a:r>
+              <a:rPr lang="en-US" smtClean="0"/>
+              <a:t>basic </a:t>
+            </a:r>
+            <a:r>
+              <a:rPr lang="en-US" dirty="0" smtClean="0"/>
+              <a:t>types</a:t>
             </a:r>
             <a:endParaRPr lang="ru-RU" dirty="0"/>
           </a:p>
@@ -7902,11 +7914,7 @@
             <a:pPr lvl="1"/>
             <a:r>
               <a:rPr lang="en-US" dirty="0" smtClean="0"/>
-              <a:t>“setters”, “processors” etc</a:t>
-            </a:r>
-            <a:r>
-              <a:rPr lang="en-US" dirty="0" smtClean="0"/>
-              <a:t>.</a:t>
+              <a:t>“setters”, “processors” etc.</a:t>
             </a:r>
           </a:p>
           <a:p>
@@ -8564,7 +8572,31 @@
                 <a:latin typeface="Courier New" panose="02070309020205020404" pitchFamily="49" charset="0"/>
                 <a:cs typeface="Courier New" panose="02070309020205020404" pitchFamily="49" charset="0"/>
               </a:rPr>
-              <a:t> push() </a:t>
+              <a:t> </a:t>
+            </a:r>
+            <a:r>
+              <a:rPr lang="en-US" sz="1600" b="1" dirty="0" smtClean="0">
+                <a:latin typeface="Courier New" panose="02070309020205020404" pitchFamily="49" charset="0"/>
+                <a:cs typeface="Courier New" panose="02070309020205020404" pitchFamily="49" charset="0"/>
+              </a:rPr>
+              <a:t>push(</a:t>
+            </a:r>
+            <a:r>
+              <a:rPr lang="en-US" sz="1600" b="1" dirty="0" err="1" smtClean="0">
+                <a:solidFill>
+                  <a:srgbClr val="7030A0"/>
+                </a:solidFill>
+                <a:latin typeface="Courier New" panose="02070309020205020404" pitchFamily="49" charset="0"/>
+                <a:cs typeface="Courier New" panose="02070309020205020404" pitchFamily="49" charset="0"/>
+              </a:rPr>
+              <a:t>int</a:t>
+            </a:r>
+            <a:r>
+              <a:rPr lang="en-US" sz="1600" b="1" dirty="0" smtClean="0">
+                <a:latin typeface="Courier New" panose="02070309020205020404" pitchFamily="49" charset="0"/>
+                <a:cs typeface="Courier New" panose="02070309020205020404" pitchFamily="49" charset="0"/>
+              </a:rPr>
+              <a:t> value) </a:t>
             </a:r>
             <a:r>
               <a:rPr lang="en-US" sz="1600" b="1" dirty="0" smtClean="0">
@@ -12576,15 +12608,7 @@
             </a:pPr>
             <a:r>
               <a:rPr lang="en-US" dirty="0" smtClean="0"/>
-              <a:t>One test case — one “</a:t>
-            </a:r>
-            <a:r>
-              <a:rPr lang="en-US" dirty="0" smtClean="0"/>
-              <a:t>arrangement” and one “act</a:t>
-            </a:r>
-            <a:r>
-              <a:rPr lang="en-US" dirty="0" smtClean="0"/>
-              <a:t>” section</a:t>
+              <a:t>One test case — one “arrangement” and one “act” section</a:t>
             </a:r>
           </a:p>
           <a:p>
@@ -17062,8 +17086,8 @@
           </a:p>
         </p:txBody>
       </p:sp>
-      <mc:AlternateContent xmlns:mc="http://schemas.openxmlformats.org/markup-compatibility/2006" xmlns:a14="http://schemas.microsoft.com/office/drawing/2010/main">
-        <mc:Choice Requires="a14">
+      <mc:AlternateContent xmlns:mc="http://schemas.openxmlformats.org/markup-compatibility/2006">
+        <mc:Choice xmlns:a14="http://schemas.microsoft.com/office/drawing/2010/main" Requires="a14">
           <p:sp>
             <p:nvSpPr>
               <p:cNvPr id="3" name="Content Placeholder 2"/>
@@ -17480,284 +17504,13 @@
                   <a:rPr lang="en-US" dirty="0" smtClean="0">
                     <a:ea typeface="Cambria Math" panose="02040503050406030204" pitchFamily="18" charset="0"/>
                   </a:rPr>
-                  <a:t>Assuming decomposition parts are roughly equal</a:t>
+                  <a:t>Usually smaller </a:t>
                 </a:r>
-              </a:p>
-              <a:p>
-                <a:pPr marL="0" indent="0" algn="ctr">
-                  <a:buNone/>
-                </a:pPr>
-                <a14:m>
-                  <m:oMathPara xmlns:m="http://schemas.openxmlformats.org/officeDocument/2006/math">
-                    <m:oMathParaPr>
-                      <m:jc m:val="centerGroup"/>
-                    </m:oMathParaPr>
-                    <m:oMath xmlns:m="http://schemas.openxmlformats.org/officeDocument/2006/math">
-                      <m:sSub>
-                        <m:sSubPr>
-                          <m:ctrlPr>
-                            <a:rPr lang="en-US" i="1">
-                              <a:latin typeface="Cambria Math" panose="02040503050406030204" pitchFamily="18" charset="0"/>
-                              <a:ea typeface="Cambria Math" panose="02040503050406030204" pitchFamily="18" charset="0"/>
-                            </a:rPr>
-                          </m:ctrlPr>
-                        </m:sSubPr>
-                        <m:e>
-                          <m:r>
-                            <a:rPr lang="en-US" i="1">
-                              <a:latin typeface="Cambria Math" panose="02040503050406030204" pitchFamily="18" charset="0"/>
-                              <a:ea typeface="Cambria Math" panose="02040503050406030204" pitchFamily="18" charset="0"/>
-                            </a:rPr>
-                            <m:t>𝑡</m:t>
-                          </m:r>
-                        </m:e>
-                        <m:sub>
-                          <m:r>
-                            <a:rPr lang="en-US" i="1">
-                              <a:latin typeface="Cambria Math" panose="02040503050406030204" pitchFamily="18" charset="0"/>
-                              <a:ea typeface="Cambria Math" panose="02040503050406030204" pitchFamily="18" charset="0"/>
-                            </a:rPr>
-                            <m:t>1</m:t>
-                          </m:r>
-                        </m:sub>
-                      </m:sSub>
-                      <m:r>
-                        <a:rPr lang="en-US">
-                          <a:latin typeface="Cambria Math" panose="02040503050406030204" pitchFamily="18" charset="0"/>
-                          <a:ea typeface="Cambria Math" panose="02040503050406030204" pitchFamily="18" charset="0"/>
-                        </a:rPr>
-                        <m:t>=</m:t>
-                      </m:r>
-                      <m:f>
-                        <m:fPr>
-                          <m:ctrlPr>
-                            <a:rPr lang="en-US" i="1">
-                              <a:latin typeface="Cambria Math" panose="02040503050406030204" pitchFamily="18" charset="0"/>
-                              <a:ea typeface="Cambria Math" panose="02040503050406030204" pitchFamily="18" charset="0"/>
-                            </a:rPr>
-                          </m:ctrlPr>
-                        </m:fPr>
-                        <m:num>
-                          <m:sSub>
-                            <m:sSubPr>
-                              <m:ctrlPr>
-                                <a:rPr lang="en-US" i="1">
-                                  <a:latin typeface="Cambria Math" panose="02040503050406030204" pitchFamily="18" charset="0"/>
-                                  <a:ea typeface="Cambria Math" panose="02040503050406030204" pitchFamily="18" charset="0"/>
-                                </a:rPr>
-                              </m:ctrlPr>
-                            </m:sSubPr>
-                            <m:e>
-                              <m:r>
-                                <a:rPr lang="en-US" i="1">
-                                  <a:latin typeface="Cambria Math" panose="02040503050406030204" pitchFamily="18" charset="0"/>
-                                  <a:ea typeface="Cambria Math" panose="02040503050406030204" pitchFamily="18" charset="0"/>
-                                </a:rPr>
-                                <m:t>𝑇</m:t>
-                              </m:r>
-                            </m:e>
-                            <m:sub>
-                              <m:r>
-                                <a:rPr lang="en-US" i="1">
-                                  <a:latin typeface="Cambria Math" panose="02040503050406030204" pitchFamily="18" charset="0"/>
-                                  <a:ea typeface="Cambria Math" panose="02040503050406030204" pitchFamily="18" charset="0"/>
-                                </a:rPr>
-                                <m:t>𝑓</m:t>
-                              </m:r>
-                            </m:sub>
-                          </m:sSub>
-                        </m:num>
-                        <m:den>
-                          <m:r>
-                            <a:rPr lang="en-US" i="1">
-                              <a:latin typeface="Cambria Math" panose="02040503050406030204" pitchFamily="18" charset="0"/>
-                              <a:ea typeface="Cambria Math" panose="02040503050406030204" pitchFamily="18" charset="0"/>
-                            </a:rPr>
-                            <m:t>2</m:t>
-                          </m:r>
-                        </m:den>
-                      </m:f>
-                      <m:r>
-                        <a:rPr lang="en-US" b="0" i="1" smtClean="0">
-                          <a:latin typeface="Cambria Math" panose="02040503050406030204" pitchFamily="18" charset="0"/>
-                          <a:ea typeface="Cambria Math" panose="02040503050406030204" pitchFamily="18" charset="0"/>
-                        </a:rPr>
-                        <m:t>∗</m:t>
-                      </m:r>
-                      <m:sSup>
-                        <m:sSupPr>
-                          <m:ctrlPr>
-                            <a:rPr lang="en-US" i="1">
-                              <a:latin typeface="Cambria Math" panose="02040503050406030204" pitchFamily="18" charset="0"/>
-                            </a:rPr>
-                          </m:ctrlPr>
-                        </m:sSupPr>
-                        <m:e>
-                          <m:r>
-                            <a:rPr lang="en-US" i="1">
-                              <a:latin typeface="Cambria Math" panose="02040503050406030204" pitchFamily="18" charset="0"/>
-                            </a:rPr>
-                            <m:t>2</m:t>
-                          </m:r>
-                        </m:e>
-                        <m:sup>
-                          <m:d>
-                            <m:dPr>
-                              <m:begChr m:val="|"/>
-                              <m:endChr m:val="|"/>
-                              <m:ctrlPr>
-                                <a:rPr lang="en-US" i="1">
-                                  <a:latin typeface="Cambria Math" panose="02040503050406030204" pitchFamily="18" charset="0"/>
-                                </a:rPr>
-                              </m:ctrlPr>
-                            </m:dPr>
-                            <m:e>
-                              <m:sSub>
-                                <m:sSubPr>
-                                  <m:ctrlPr>
-                                    <a:rPr lang="en-US" i="1">
-                                      <a:latin typeface="Cambria Math" panose="02040503050406030204" pitchFamily="18" charset="0"/>
-                                    </a:rPr>
-                                  </m:ctrlPr>
-                                </m:sSubPr>
-                                <m:e>
-                                  <m:r>
-                                    <a:rPr lang="en-US" i="1">
-                                      <a:latin typeface="Cambria Math" panose="02040503050406030204" pitchFamily="18" charset="0"/>
-                                    </a:rPr>
-                                    <m:t>𝑖</m:t>
-                                  </m:r>
-                                </m:e>
-                                <m:sub>
-                                  <m:r>
-                                    <a:rPr lang="en-US" b="0" i="1" smtClean="0">
-                                      <a:latin typeface="Cambria Math" panose="02040503050406030204" pitchFamily="18" charset="0"/>
-                                    </a:rPr>
-                                    <m:t>𝑓</m:t>
-                                  </m:r>
-                                </m:sub>
-                              </m:sSub>
-                            </m:e>
-                          </m:d>
-                        </m:sup>
-                      </m:sSup>
-                      <m:r>
-                        <a:rPr lang="en-US" i="1">
-                          <a:latin typeface="Cambria Math" panose="02040503050406030204" pitchFamily="18" charset="0"/>
-                        </a:rPr>
-                        <m:t>∗</m:t>
-                      </m:r>
-                      <m:d>
-                        <m:dPr>
-                          <m:begChr m:val="|"/>
-                          <m:endChr m:val="|"/>
-                          <m:ctrlPr>
-                            <a:rPr lang="en-US" i="1">
-                              <a:latin typeface="Cambria Math" panose="02040503050406030204" pitchFamily="18" charset="0"/>
-                              <a:ea typeface="Cambria Math" panose="02040503050406030204" pitchFamily="18" charset="0"/>
-                            </a:rPr>
-                          </m:ctrlPr>
-                        </m:dPr>
-                        <m:e>
-                          <m:sSub>
-                            <m:sSubPr>
-                              <m:ctrlPr>
-                                <a:rPr lang="en-US" i="1">
-                                  <a:latin typeface="Cambria Math" panose="02040503050406030204" pitchFamily="18" charset="0"/>
-                                  <a:ea typeface="Cambria Math" panose="02040503050406030204" pitchFamily="18" charset="0"/>
-                                </a:rPr>
-                              </m:ctrlPr>
-                            </m:sSubPr>
-                            <m:e>
-                              <m:r>
-                                <a:rPr lang="en-US" i="1">
-                                  <a:latin typeface="Cambria Math" panose="02040503050406030204" pitchFamily="18" charset="0"/>
-                                  <a:ea typeface="Cambria Math" panose="02040503050406030204" pitchFamily="18" charset="0"/>
-                                </a:rPr>
-                                <m:t>𝑟</m:t>
-                              </m:r>
-                            </m:e>
-                            <m:sub>
-                              <m:r>
-                                <a:rPr lang="en-US" b="0" i="1" smtClean="0">
-                                  <a:latin typeface="Cambria Math" panose="02040503050406030204" pitchFamily="18" charset="0"/>
-                                  <a:ea typeface="Cambria Math" panose="02040503050406030204" pitchFamily="18" charset="0"/>
-                                </a:rPr>
-                                <m:t>𝑓</m:t>
-                              </m:r>
-                            </m:sub>
-                          </m:sSub>
-                        </m:e>
-                      </m:d>
-                      <m:r>
-                        <a:rPr lang="en-US" b="0" i="1" smtClean="0">
-                          <a:latin typeface="Cambria Math" panose="02040503050406030204" pitchFamily="18" charset="0"/>
-                          <a:ea typeface="Cambria Math" panose="02040503050406030204" pitchFamily="18" charset="0"/>
-                        </a:rPr>
-                        <m:t>=</m:t>
-                      </m:r>
-                      <m:f>
-                        <m:fPr>
-                          <m:ctrlPr>
-                            <a:rPr lang="en-US" i="1">
-                              <a:latin typeface="Cambria Math" panose="02040503050406030204" pitchFamily="18" charset="0"/>
-                              <a:ea typeface="Cambria Math" panose="02040503050406030204" pitchFamily="18" charset="0"/>
-                            </a:rPr>
-                          </m:ctrlPr>
-                        </m:fPr>
-                        <m:num>
-                          <m:sSub>
-                            <m:sSubPr>
-                              <m:ctrlPr>
-                                <a:rPr lang="en-US" i="1">
-                                  <a:latin typeface="Cambria Math" panose="02040503050406030204" pitchFamily="18" charset="0"/>
-                                  <a:ea typeface="Cambria Math" panose="02040503050406030204" pitchFamily="18" charset="0"/>
-                                </a:rPr>
-                              </m:ctrlPr>
-                            </m:sSubPr>
-                            <m:e>
-                              <m:r>
-                                <a:rPr lang="en-US" b="0" i="1" smtClean="0">
-                                  <a:latin typeface="Cambria Math" panose="02040503050406030204" pitchFamily="18" charset="0"/>
-                                  <a:ea typeface="Cambria Math" panose="02040503050406030204" pitchFamily="18" charset="0"/>
-                                </a:rPr>
-                                <m:t>𝑡</m:t>
-                              </m:r>
-                            </m:e>
-                            <m:sub>
-                              <m:r>
-                                <a:rPr lang="en-US" b="0" i="1" smtClean="0">
-                                  <a:latin typeface="Cambria Math" panose="02040503050406030204" pitchFamily="18" charset="0"/>
-                                  <a:ea typeface="Cambria Math" panose="02040503050406030204" pitchFamily="18" charset="0"/>
-                                </a:rPr>
-                                <m:t>0</m:t>
-                              </m:r>
-                            </m:sub>
-                          </m:sSub>
-                        </m:num>
-                        <m:den>
-                          <m:r>
-                            <a:rPr lang="en-US" i="1">
-                              <a:latin typeface="Cambria Math" panose="02040503050406030204" pitchFamily="18" charset="0"/>
-                              <a:ea typeface="Cambria Math" panose="02040503050406030204" pitchFamily="18" charset="0"/>
-                            </a:rPr>
-                            <m:t>2</m:t>
-                          </m:r>
-                        </m:den>
-                      </m:f>
-                    </m:oMath>
-                  </m:oMathPara>
-                </a14:m>
-                <a:endParaRPr lang="en-US" dirty="0" smtClean="0">
-                  <a:ea typeface="Cambria Math" panose="02040503050406030204" pitchFamily="18" charset="0"/>
-                </a:endParaRPr>
-              </a:p>
-              <a:p>
                 <a:r>
                   <a:rPr lang="en-US" dirty="0" smtClean="0">
                     <a:ea typeface="Cambria Math" panose="02040503050406030204" pitchFamily="18" charset="0"/>
                   </a:rPr>
-                  <a:t>Usually saving is higher as smaller parts have less </a:t>
+                  <a:t>parts have less </a:t>
                 </a:r>
                 <a14:m>
                   <m:oMath xmlns:m="http://schemas.openxmlformats.org/officeDocument/2006/math">
@@ -17868,7 +17621,7 @@
             </p:txBody>
           </p:sp>
         </mc:Choice>
-        <mc:Fallback xmlns="">
+        <mc:Fallback>
           <p:sp>
             <p:nvSpPr>
               <p:cNvPr id="3" name="Content Placeholder 2"/>
@@ -18280,128 +18033,6 @@
                                           <p:spTgt spid="3">
                                             <p:txEl>
                                               <p:pRg st="4" end="4"/>
-                                            </p:txEl>
-                                          </p:spTgt>
-                                        </p:tgtEl>
-                                      </p:cBhvr>
-                                    </p:animEffect>
-                                  </p:childTnLst>
-                                </p:cTn>
-                              </p:par>
-                            </p:childTnLst>
-                          </p:cTn>
-                        </p:par>
-                      </p:childTnLst>
-                    </p:cTn>
-                  </p:par>
-                  <p:par>
-                    <p:cTn id="28" fill="hold">
-                      <p:stCondLst>
-                        <p:cond delay="indefinite"/>
-                      </p:stCondLst>
-                      <p:childTnLst>
-                        <p:par>
-                          <p:cTn id="29" fill="hold">
-                            <p:stCondLst>
-                              <p:cond delay="0"/>
-                            </p:stCondLst>
-                            <p:childTnLst>
-                              <p:par>
-                                <p:cTn id="30" presetID="10" presetClass="entr" presetSubtype="0" fill="hold" grpId="0" nodeType="clickEffect">
-                                  <p:stCondLst>
-                                    <p:cond delay="0"/>
-                                  </p:stCondLst>
-                                  <p:childTnLst>
-                                    <p:set>
-                                      <p:cBhvr>
-                                        <p:cTn id="31" dur="1" fill="hold">
-                                          <p:stCondLst>
-                                            <p:cond delay="0"/>
-                                          </p:stCondLst>
-                                        </p:cTn>
-                                        <p:tgtEl>
-                                          <p:spTgt spid="3">
-                                            <p:txEl>
-                                              <p:pRg st="5" end="5"/>
-                                            </p:txEl>
-                                          </p:spTgt>
-                                        </p:tgtEl>
-                                        <p:attrNameLst>
-                                          <p:attrName>style.visibility</p:attrName>
-                                        </p:attrNameLst>
-                                      </p:cBhvr>
-                                      <p:to>
-                                        <p:strVal val="visible"/>
-                                      </p:to>
-                                    </p:set>
-                                    <p:animEffect transition="in" filter="fade">
-                                      <p:cBhvr>
-                                        <p:cTn id="32" dur="500"/>
-                                        <p:tgtEl>
-                                          <p:spTgt spid="3">
-                                            <p:txEl>
-                                              <p:pRg st="5" end="5"/>
-                                            </p:txEl>
-                                          </p:spTgt>
-                                        </p:tgtEl>
-                                      </p:cBhvr>
-                                    </p:animEffect>
-                                  </p:childTnLst>
-                                </p:cTn>
-                              </p:par>
-                            </p:childTnLst>
-                          </p:cTn>
-                        </p:par>
-                      </p:childTnLst>
-                    </p:cTn>
-                  </p:par>
-                  <p:par>
-                    <p:cTn id="33" fill="hold">
-                      <p:stCondLst>
-                        <p:cond delay="indefinite"/>
-                      </p:stCondLst>
-                      <p:childTnLst>
-                        <p:par>
-                          <p:cTn id="34" fill="hold">
-                            <p:stCondLst>
-                              <p:cond delay="0"/>
-                            </p:stCondLst>
-                            <p:childTnLst>
-                              <p:par>
-                                <p:cTn id="35" presetID="10" presetClass="entr" presetSubtype="0" fill="hold" grpId="0" nodeType="clickEffect">
-                                  <p:stCondLst>
-                                    <p:cond delay="0"/>
-                                  </p:stCondLst>
-                                  <p:childTnLst>
-                                    <p:set>
-                                      <p:cBhvr>
-                                        <p:cTn id="36" dur="1" fill="hold">
-                                          <p:stCondLst>
-                                            <p:cond delay="0"/>
-                                          </p:stCondLst>
-                                        </p:cTn>
-                                        <p:tgtEl>
-                                          <p:spTgt spid="3">
-                                            <p:txEl>
-                                              <p:pRg st="6" end="6"/>
-                                            </p:txEl>
-                                          </p:spTgt>
-                                        </p:tgtEl>
-                                        <p:attrNameLst>
-                                          <p:attrName>style.visibility</p:attrName>
-                                        </p:attrNameLst>
-                                      </p:cBhvr>
-                                      <p:to>
-                                        <p:strVal val="visible"/>
-                                      </p:to>
-                                    </p:set>
-                                    <p:animEffect transition="in" filter="fade">
-                                      <p:cBhvr>
-                                        <p:cTn id="37" dur="500"/>
-                                        <p:tgtEl>
-                                          <p:spTgt spid="3">
-                                            <p:txEl>
-                                              <p:pRg st="6" end="6"/>
                                             </p:txEl>
                                           </p:spTgt>
                                         </p:tgtEl>
